--- a/CSS3 Day2.pptx
+++ b/CSS3 Day2.pptx
@@ -11,6 +11,8 @@
     <p:sldId id="259" r:id="rId5"/>
     <p:sldId id="260" r:id="rId6"/>
     <p:sldId id="261" r:id="rId7"/>
+    <p:sldId id="262" r:id="rId8"/>
+    <p:sldId id="263" r:id="rId9"/>
   </p:sldIdLst>
   <p:sldSz cx="9144000" cy="6858000" type="screen4x3"/>
   <p:notesSz cx="6858000" cy="9144000"/>
@@ -285,6 +287,7 @@
           <a:p>
             <a:fld id="{5AFE89D4-BA68-4B04-9BF6-2770B9DC3DC4}" type="datetimeFigureOut">
               <a:rPr lang="de-AT" smtClean="0"/>
+              <a:pPr/>
               <a:t>18.02.2021</a:t>
             </a:fld>
             <a:endParaRPr lang="de-AT"/>
@@ -327,6 +330,7 @@
           <a:p>
             <a:fld id="{6165E4A7-6D58-4B22-A80B-81CF52F978C9}" type="slidenum">
               <a:rPr lang="de-AT" smtClean="0"/>
+              <a:pPr/>
               <a:t>‹#›</a:t>
             </a:fld>
             <a:endParaRPr lang="de-AT"/>
@@ -450,6 +454,7 @@
           <a:p>
             <a:fld id="{5AFE89D4-BA68-4B04-9BF6-2770B9DC3DC4}" type="datetimeFigureOut">
               <a:rPr lang="de-AT" smtClean="0"/>
+              <a:pPr/>
               <a:t>18.02.2021</a:t>
             </a:fld>
             <a:endParaRPr lang="de-AT"/>
@@ -492,6 +497,7 @@
           <a:p>
             <a:fld id="{6165E4A7-6D58-4B22-A80B-81CF52F978C9}" type="slidenum">
               <a:rPr lang="de-AT" smtClean="0"/>
+              <a:pPr/>
               <a:t>‹#›</a:t>
             </a:fld>
             <a:endParaRPr lang="de-AT"/>
@@ -625,6 +631,7 @@
           <a:p>
             <a:fld id="{5AFE89D4-BA68-4B04-9BF6-2770B9DC3DC4}" type="datetimeFigureOut">
               <a:rPr lang="de-AT" smtClean="0"/>
+              <a:pPr/>
               <a:t>18.02.2021</a:t>
             </a:fld>
             <a:endParaRPr lang="de-AT"/>
@@ -667,6 +674,7 @@
           <a:p>
             <a:fld id="{6165E4A7-6D58-4B22-A80B-81CF52F978C9}" type="slidenum">
               <a:rPr lang="de-AT" smtClean="0"/>
+              <a:pPr/>
               <a:t>‹#›</a:t>
             </a:fld>
             <a:endParaRPr lang="de-AT"/>
@@ -790,6 +798,7 @@
           <a:p>
             <a:fld id="{5AFE89D4-BA68-4B04-9BF6-2770B9DC3DC4}" type="datetimeFigureOut">
               <a:rPr lang="de-AT" smtClean="0"/>
+              <a:pPr/>
               <a:t>18.02.2021</a:t>
             </a:fld>
             <a:endParaRPr lang="de-AT"/>
@@ -832,6 +841,7 @@
           <a:p>
             <a:fld id="{6165E4A7-6D58-4B22-A80B-81CF52F978C9}" type="slidenum">
               <a:rPr lang="de-AT" smtClean="0"/>
+              <a:pPr/>
               <a:t>‹#›</a:t>
             </a:fld>
             <a:endParaRPr lang="de-AT"/>
@@ -1032,6 +1042,7 @@
           <a:p>
             <a:fld id="{5AFE89D4-BA68-4B04-9BF6-2770B9DC3DC4}" type="datetimeFigureOut">
               <a:rPr lang="de-AT" smtClean="0"/>
+              <a:pPr/>
               <a:t>18.02.2021</a:t>
             </a:fld>
             <a:endParaRPr lang="de-AT"/>
@@ -1074,6 +1085,7 @@
           <a:p>
             <a:fld id="{6165E4A7-6D58-4B22-A80B-81CF52F978C9}" type="slidenum">
               <a:rPr lang="de-AT" smtClean="0"/>
+              <a:pPr/>
               <a:t>‹#›</a:t>
             </a:fld>
             <a:endParaRPr lang="de-AT"/>
@@ -1296,6 +1308,7 @@
           <a:p>
             <a:fld id="{5AFE89D4-BA68-4B04-9BF6-2770B9DC3DC4}" type="datetimeFigureOut">
               <a:rPr lang="de-AT" smtClean="0"/>
+              <a:pPr/>
               <a:t>18.02.2021</a:t>
             </a:fld>
             <a:endParaRPr lang="de-AT"/>
@@ -1338,6 +1351,7 @@
           <a:p>
             <a:fld id="{6165E4A7-6D58-4B22-A80B-81CF52F978C9}" type="slidenum">
               <a:rPr lang="de-AT" smtClean="0"/>
+              <a:pPr/>
               <a:t>‹#›</a:t>
             </a:fld>
             <a:endParaRPr lang="de-AT"/>
@@ -1674,6 +1688,7 @@
           <a:p>
             <a:fld id="{5AFE89D4-BA68-4B04-9BF6-2770B9DC3DC4}" type="datetimeFigureOut">
               <a:rPr lang="de-AT" smtClean="0"/>
+              <a:pPr/>
               <a:t>18.02.2021</a:t>
             </a:fld>
             <a:endParaRPr lang="de-AT"/>
@@ -1716,6 +1731,7 @@
           <a:p>
             <a:fld id="{6165E4A7-6D58-4B22-A80B-81CF52F978C9}" type="slidenum">
               <a:rPr lang="de-AT" smtClean="0"/>
+              <a:pPr/>
               <a:t>‹#›</a:t>
             </a:fld>
             <a:endParaRPr lang="de-AT"/>
@@ -1824,6 +1840,7 @@
           <a:p>
             <a:fld id="{5AFE89D4-BA68-4B04-9BF6-2770B9DC3DC4}" type="datetimeFigureOut">
               <a:rPr lang="de-AT" smtClean="0"/>
+              <a:pPr/>
               <a:t>18.02.2021</a:t>
             </a:fld>
             <a:endParaRPr lang="de-AT"/>
@@ -1866,6 +1883,7 @@
           <a:p>
             <a:fld id="{6165E4A7-6D58-4B22-A80B-81CF52F978C9}" type="slidenum">
               <a:rPr lang="de-AT" smtClean="0"/>
+              <a:pPr/>
               <a:t>‹#›</a:t>
             </a:fld>
             <a:endParaRPr lang="de-AT"/>
@@ -1914,6 +1932,7 @@
           <a:p>
             <a:fld id="{5AFE89D4-BA68-4B04-9BF6-2770B9DC3DC4}" type="datetimeFigureOut">
               <a:rPr lang="de-AT" smtClean="0"/>
+              <a:pPr/>
               <a:t>18.02.2021</a:t>
             </a:fld>
             <a:endParaRPr lang="de-AT"/>
@@ -1956,6 +1975,7 @@
           <a:p>
             <a:fld id="{6165E4A7-6D58-4B22-A80B-81CF52F978C9}" type="slidenum">
               <a:rPr lang="de-AT" smtClean="0"/>
+              <a:pPr/>
               <a:t>‹#›</a:t>
             </a:fld>
             <a:endParaRPr lang="de-AT"/>
@@ -2175,6 +2195,7 @@
           <a:p>
             <a:fld id="{5AFE89D4-BA68-4B04-9BF6-2770B9DC3DC4}" type="datetimeFigureOut">
               <a:rPr lang="de-AT" smtClean="0"/>
+              <a:pPr/>
               <a:t>18.02.2021</a:t>
             </a:fld>
             <a:endParaRPr lang="de-AT"/>
@@ -2217,6 +2238,7 @@
           <a:p>
             <a:fld id="{6165E4A7-6D58-4B22-A80B-81CF52F978C9}" type="slidenum">
               <a:rPr lang="de-AT" smtClean="0"/>
+              <a:pPr/>
               <a:t>‹#›</a:t>
             </a:fld>
             <a:endParaRPr lang="de-AT"/>
@@ -2463,6 +2485,7 @@
           <a:p>
             <a:fld id="{5AFE89D4-BA68-4B04-9BF6-2770B9DC3DC4}" type="datetimeFigureOut">
               <a:rPr lang="de-AT" smtClean="0"/>
+              <a:pPr/>
               <a:t>18.02.2021</a:t>
             </a:fld>
             <a:endParaRPr lang="de-AT"/>
@@ -2510,6 +2533,7 @@
           <a:p>
             <a:fld id="{6165E4A7-6D58-4B22-A80B-81CF52F978C9}" type="slidenum">
               <a:rPr lang="de-AT" smtClean="0"/>
+              <a:pPr/>
               <a:t>‹#›</a:t>
             </a:fld>
             <a:endParaRPr lang="de-AT"/>
@@ -3234,6 +3258,7 @@
           <a:p>
             <a:fld id="{5AFE89D4-BA68-4B04-9BF6-2770B9DC3DC4}" type="datetimeFigureOut">
               <a:rPr lang="de-AT" smtClean="0"/>
+              <a:pPr/>
               <a:t>18.02.2021</a:t>
             </a:fld>
             <a:endParaRPr lang="de-AT"/>
@@ -3312,6 +3337,7 @@
           <a:p>
             <a:fld id="{6165E4A7-6D58-4B22-A80B-81CF52F978C9}" type="slidenum">
               <a:rPr lang="de-AT" smtClean="0"/>
+              <a:pPr/>
               <a:t>‹#›</a:t>
             </a:fld>
             <a:endParaRPr lang="de-AT"/>
@@ -4365,11 +4391,7 @@
             </a:r>
             <a:r>
               <a:rPr lang="de-AT" dirty="0" smtClean="0"/>
-              <a:t>because the hat is over the parent div</a:t>
-            </a:r>
-            <a:r>
-              <a:rPr lang="de-AT" dirty="0" smtClean="0"/>
-              <a:t> </a:t>
+              <a:t>because the hat is over the parent div </a:t>
             </a:r>
             <a:endParaRPr lang="de-AT" dirty="0"/>
           </a:p>
@@ -4716,15 +4738,7 @@
                   <a:schemeClr val="accent2"/>
                 </a:solidFill>
               </a:rPr>
-              <a:t>   </a:t>
-            </a:r>
-            <a:r>
-              <a:rPr lang="en-US" sz="1400" dirty="0" smtClean="0">
-                <a:solidFill>
-                  <a:schemeClr val="accent2"/>
-                </a:solidFill>
-              </a:rPr>
-              <a:t>(by default z-index: 2;)</a:t>
+              <a:t>   (by default z-index: 2;)</a:t>
             </a:r>
             <a:endParaRPr lang="en-US" sz="1400" dirty="0">
               <a:solidFill>
@@ -5013,6 +5027,440 @@
               <a:t>display: none</a:t>
             </a:r>
             <a:endParaRPr lang="de-AT" b="1" dirty="0"/>
+          </a:p>
+        </p:txBody>
+      </p:sp>
+    </p:spTree>
+  </p:cSld>
+  <p:clrMapOvr>
+    <a:masterClrMapping/>
+  </p:clrMapOvr>
+</p:sld>
+</file>
+
+<file path=ppt/slides/slide7.xml><?xml version="1.0" encoding="utf-8"?>
+<p:sld xmlns:a="http://schemas.openxmlformats.org/drawingml/2006/main" xmlns:r="http://schemas.openxmlformats.org/officeDocument/2006/relationships" xmlns:p="http://schemas.openxmlformats.org/presentationml/2006/main">
+  <p:cSld>
+    <p:spTree>
+      <p:nvGrpSpPr>
+        <p:cNvPr id="1" name=""/>
+        <p:cNvGrpSpPr/>
+        <p:nvPr/>
+      </p:nvGrpSpPr>
+      <p:grpSpPr>
+        <a:xfrm>
+          <a:off x="0" y="0"/>
+          <a:ext cx="0" cy="0"/>
+          <a:chOff x="0" y="0"/>
+          <a:chExt cx="0" cy="0"/>
+        </a:xfrm>
+      </p:grpSpPr>
+      <p:pic>
+        <p:nvPicPr>
+          <p:cNvPr id="1026" name="Picture 2" descr="C:\Users\Melaverde\Downloads\444.jpg"/>
+          <p:cNvPicPr>
+            <a:picLocks noChangeAspect="1" noChangeArrowheads="1"/>
+          </p:cNvPicPr>
+          <p:nvPr/>
+        </p:nvPicPr>
+        <p:blipFill>
+          <a:blip r:embed="rId2" cstate="print"/>
+          <a:srcRect/>
+          <a:stretch>
+            <a:fillRect/>
+          </a:stretch>
+        </p:blipFill>
+        <p:spPr bwMode="auto">
+          <a:xfrm>
+            <a:off x="179512" y="3068960"/>
+            <a:ext cx="8548237" cy="2016224"/>
+          </a:xfrm>
+          <a:prstGeom prst="rect">
+            <a:avLst/>
+          </a:prstGeom>
+          <a:noFill/>
+        </p:spPr>
+      </p:pic>
+      <p:sp>
+        <p:nvSpPr>
+          <p:cNvPr id="3" name="TextBox 2"/>
+          <p:cNvSpPr txBox="1"/>
+          <p:nvPr/>
+        </p:nvSpPr>
+        <p:spPr>
+          <a:xfrm>
+            <a:off x="251520" y="1484784"/>
+            <a:ext cx="6264696" cy="369332"/>
+          </a:xfrm>
+          <a:prstGeom prst="rect">
+            <a:avLst/>
+          </a:prstGeom>
+          <a:noFill/>
+        </p:spPr>
+        <p:txBody>
+          <a:bodyPr wrap="square" rtlCol="0">
+            <a:spAutoFit/>
+          </a:bodyPr>
+          <a:lstStyle/>
+          <a:p>
+            <a:r>
+              <a:rPr lang="de-AT" dirty="0" smtClean="0"/>
+              <a:t>Advanced in browser</a:t>
+            </a:r>
+            <a:endParaRPr lang="de-AT" dirty="0"/>
+          </a:p>
+        </p:txBody>
+      </p:sp>
+    </p:spTree>
+  </p:cSld>
+  <p:clrMapOvr>
+    <a:masterClrMapping/>
+  </p:clrMapOvr>
+</p:sld>
+</file>
+
+<file path=ppt/slides/slide8.xml><?xml version="1.0" encoding="utf-8"?>
+<p:sld xmlns:a="http://schemas.openxmlformats.org/drawingml/2006/main" xmlns:r="http://schemas.openxmlformats.org/officeDocument/2006/relationships" xmlns:p="http://schemas.openxmlformats.org/presentationml/2006/main">
+  <p:cSld>
+    <p:spTree>
+      <p:nvGrpSpPr>
+        <p:cNvPr id="1" name=""/>
+        <p:cNvGrpSpPr/>
+        <p:nvPr/>
+      </p:nvGrpSpPr>
+      <p:grpSpPr>
+        <a:xfrm>
+          <a:off x="0" y="0"/>
+          <a:ext cx="0" cy="0"/>
+          <a:chOff x="0" y="0"/>
+          <a:chExt cx="0" cy="0"/>
+        </a:xfrm>
+      </p:grpSpPr>
+      <p:sp>
+        <p:nvSpPr>
+          <p:cNvPr id="2" name="Rectangle 1"/>
+          <p:cNvSpPr/>
+          <p:nvPr/>
+        </p:nvSpPr>
+        <p:spPr>
+          <a:xfrm>
+            <a:off x="395536" y="2636912"/>
+            <a:ext cx="4572000" cy="2462213"/>
+          </a:xfrm>
+          <a:prstGeom prst="rect">
+            <a:avLst/>
+          </a:prstGeom>
+        </p:spPr>
+        <p:txBody>
+          <a:bodyPr>
+            <a:spAutoFit/>
+          </a:bodyPr>
+          <a:lstStyle/>
+          <a:p>
+            <a:r>
+              <a:rPr lang="en-US" sz="1400" dirty="0" smtClean="0"/>
+              <a:t>&lt;div&gt;</a:t>
+            </a:r>
+          </a:p>
+          <a:p>
+            <a:r>
+              <a:rPr lang="en-US" sz="1400" dirty="0" smtClean="0"/>
+              <a:t>        &lt;div </a:t>
+            </a:r>
+            <a:r>
+              <a:rPr lang="en-US" sz="1400" i="1" dirty="0" smtClean="0"/>
+              <a:t>class</a:t>
+            </a:r>
+            <a:r>
+              <a:rPr lang="en-US" sz="1400" dirty="0" smtClean="0"/>
+              <a:t>="box"&gt;</a:t>
+            </a:r>
+          </a:p>
+          <a:p>
+            <a:r>
+              <a:rPr lang="en-US" sz="1400" dirty="0" smtClean="0"/>
+              <a:t>            &lt;div </a:t>
+            </a:r>
+            <a:r>
+              <a:rPr lang="en-US" sz="1400" i="1" dirty="0" smtClean="0"/>
+              <a:t>class</a:t>
+            </a:r>
+            <a:r>
+              <a:rPr lang="en-US" sz="1400" dirty="0" smtClean="0"/>
+              <a:t>="columns"&gt;Column One&lt;/div&gt;</a:t>
+            </a:r>
+          </a:p>
+          <a:p>
+            <a:r>
+              <a:rPr lang="en-US" sz="1400" dirty="0" smtClean="0"/>
+              <a:t>        &lt;/div&gt;</a:t>
+            </a:r>
+          </a:p>
+          <a:p>
+            <a:r>
+              <a:rPr lang="en-US" sz="1400" dirty="0" smtClean="0"/>
+              <a:t>        &lt;div </a:t>
+            </a:r>
+            <a:r>
+              <a:rPr lang="en-US" sz="1400" i="1" dirty="0" smtClean="0"/>
+              <a:t>class</a:t>
+            </a:r>
+            <a:r>
+              <a:rPr lang="en-US" sz="1400" dirty="0" smtClean="0"/>
+              <a:t>="box"&gt;</a:t>
+            </a:r>
+          </a:p>
+          <a:p>
+            <a:r>
+              <a:rPr lang="en-US" sz="1400" dirty="0" smtClean="0"/>
+              <a:t>            &lt;div </a:t>
+            </a:r>
+            <a:r>
+              <a:rPr lang="en-US" sz="1400" i="1" dirty="0" smtClean="0"/>
+              <a:t>class</a:t>
+            </a:r>
+            <a:r>
+              <a:rPr lang="en-US" sz="1400" dirty="0" smtClean="0"/>
+              <a:t>="columns"&gt;Column Two&lt;/div&gt;</a:t>
+            </a:r>
+          </a:p>
+          <a:p>
+            <a:r>
+              <a:rPr lang="en-US" sz="1400" dirty="0" smtClean="0"/>
+              <a:t>        &lt;/div&gt;</a:t>
+            </a:r>
+          </a:p>
+          <a:p>
+            <a:r>
+              <a:rPr lang="en-US" sz="1400" dirty="0" smtClean="0"/>
+              <a:t>        &lt;div </a:t>
+            </a:r>
+            <a:r>
+              <a:rPr lang="en-US" sz="1400" i="1" dirty="0" smtClean="0"/>
+              <a:t>class</a:t>
+            </a:r>
+            <a:r>
+              <a:rPr lang="en-US" sz="1400" dirty="0" smtClean="0"/>
+              <a:t>="box"&gt;</a:t>
+            </a:r>
+          </a:p>
+          <a:p>
+            <a:r>
+              <a:rPr lang="en-US" sz="1400" dirty="0" smtClean="0"/>
+              <a:t>            &lt;div </a:t>
+            </a:r>
+            <a:r>
+              <a:rPr lang="en-US" sz="1400" i="1" dirty="0" smtClean="0"/>
+              <a:t>class</a:t>
+            </a:r>
+            <a:r>
+              <a:rPr lang="en-US" sz="1400" dirty="0" smtClean="0"/>
+              <a:t>="columns"&gt;Column Three&lt;/div&gt;</a:t>
+            </a:r>
+          </a:p>
+          <a:p>
+            <a:r>
+              <a:rPr lang="en-US" sz="1400" dirty="0" smtClean="0"/>
+              <a:t>        &lt;/div&gt;</a:t>
+            </a:r>
+          </a:p>
+          <a:p>
+            <a:r>
+              <a:rPr lang="en-US" sz="1400" dirty="0" smtClean="0"/>
+              <a:t>    &lt;/div&gt;</a:t>
+            </a:r>
+            <a:endParaRPr lang="en-US" sz="1400" dirty="0"/>
+          </a:p>
+        </p:txBody>
+      </p:sp>
+      <p:sp>
+        <p:nvSpPr>
+          <p:cNvPr id="3" name="Rectangle 2"/>
+          <p:cNvSpPr/>
+          <p:nvPr/>
+        </p:nvSpPr>
+        <p:spPr>
+          <a:xfrm>
+            <a:off x="5436096" y="2060848"/>
+            <a:ext cx="4572000" cy="4401205"/>
+          </a:xfrm>
+          <a:prstGeom prst="rect">
+            <a:avLst/>
+          </a:prstGeom>
+        </p:spPr>
+        <p:txBody>
+          <a:bodyPr>
+            <a:spAutoFit/>
+          </a:bodyPr>
+          <a:lstStyle/>
+          <a:p>
+            <a:r>
+              <a:rPr lang="de-AT" sz="1400" dirty="0" smtClean="0"/>
+              <a:t>.box {</a:t>
+            </a:r>
+          </a:p>
+          <a:p>
+            <a:r>
+              <a:rPr lang="de-AT" sz="1400" dirty="0" smtClean="0"/>
+              <a:t>    float: left;</a:t>
+            </a:r>
+          </a:p>
+          <a:p>
+            <a:r>
+              <a:rPr lang="de-AT" sz="1400" dirty="0" smtClean="0"/>
+              <a:t>    width: 33.33%;</a:t>
+            </a:r>
+          </a:p>
+          <a:p>
+            <a:r>
+              <a:rPr lang="de-AT" sz="1400" dirty="0" smtClean="0"/>
+              <a:t>    padding-right: 20px;</a:t>
+            </a:r>
+          </a:p>
+          <a:p>
+            <a:r>
+              <a:rPr lang="de-AT" sz="1400" dirty="0" smtClean="0"/>
+              <a:t>    box-sizing: border-box;</a:t>
+            </a:r>
+          </a:p>
+          <a:p>
+            <a:r>
+              <a:rPr lang="de-AT" sz="1400" dirty="0" smtClean="0"/>
+              <a:t>    margin-bottom: 20px;</a:t>
+            </a:r>
+          </a:p>
+          <a:p>
+            <a:r>
+              <a:rPr lang="de-AT" sz="1400" dirty="0" smtClean="0"/>
+              <a:t>}</a:t>
+            </a:r>
+          </a:p>
+          <a:p>
+            <a:r>
+              <a:rPr lang="de-AT" sz="1400" dirty="0" smtClean="0"/>
+              <a:t/>
+            </a:r>
+            <a:br>
+              <a:rPr lang="de-AT" sz="1400" dirty="0" smtClean="0"/>
+            </a:br>
+            <a:r>
+              <a:rPr lang="de-AT" sz="1400" dirty="0" smtClean="0"/>
+              <a:t>    .columns {</a:t>
+            </a:r>
+          </a:p>
+          <a:p>
+            <a:r>
+              <a:rPr lang="de-AT" sz="1400" dirty="0" smtClean="0"/>
+              <a:t>        float: left;</a:t>
+            </a:r>
+          </a:p>
+          <a:p>
+            <a:r>
+              <a:rPr lang="de-AT" sz="1400" dirty="0" smtClean="0"/>
+              <a:t>        width: 100%;</a:t>
+            </a:r>
+          </a:p>
+          <a:p>
+            <a:r>
+              <a:rPr lang="de-AT" sz="1400" dirty="0" smtClean="0"/>
+              <a:t>        background-color: </a:t>
+            </a:r>
+            <a:r>
+              <a:rPr lang="de-AT" sz="1400" b="1" dirty="0" smtClean="0"/>
+              <a:t>rgb</a:t>
+            </a:r>
+            <a:r>
+              <a:rPr lang="de-AT" sz="1400" dirty="0" smtClean="0"/>
+              <a:t>(166, 167, 166);</a:t>
+            </a:r>
+          </a:p>
+          <a:p>
+            <a:r>
+              <a:rPr lang="de-AT" sz="1400" dirty="0" smtClean="0"/>
+              <a:t>        padding: 20px 0;</a:t>
+            </a:r>
+          </a:p>
+          <a:p>
+            <a:r>
+              <a:rPr lang="de-AT" sz="1400" dirty="0" smtClean="0"/>
+              <a:t>        box-sizing: border-box;</a:t>
+            </a:r>
+          </a:p>
+          <a:p>
+            <a:r>
+              <a:rPr lang="de-AT" sz="1400" dirty="0" smtClean="0"/>
+              <a:t>        text-align: center;</a:t>
+            </a:r>
+          </a:p>
+          <a:p>
+            <a:r>
+              <a:rPr lang="de-AT" sz="1400" dirty="0" smtClean="0"/>
+              <a:t>    }</a:t>
+            </a:r>
+          </a:p>
+          <a:p>
+            <a:r>
+              <a:rPr lang="de-AT" sz="1400" dirty="0" smtClean="0"/>
+              <a:t/>
+            </a:r>
+            <a:br>
+              <a:rPr lang="de-AT" sz="1400" dirty="0" smtClean="0"/>
+            </a:br>
+            <a:r>
+              <a:rPr lang="de-AT" sz="1400" dirty="0" smtClean="0"/>
+              <a:t>.box:last-child {</a:t>
+            </a:r>
+          </a:p>
+          <a:p>
+            <a:r>
+              <a:rPr lang="de-AT" sz="1400" dirty="0" smtClean="0"/>
+              <a:t>    padding-right: 0;</a:t>
+            </a:r>
+          </a:p>
+          <a:p>
+            <a:r>
+              <a:rPr lang="de-AT" sz="1400" dirty="0" smtClean="0"/>
+              <a:t>}</a:t>
+            </a:r>
+            <a:endParaRPr lang="de-AT" sz="1400" dirty="0"/>
+          </a:p>
+        </p:txBody>
+      </p:sp>
+      <p:sp>
+        <p:nvSpPr>
+          <p:cNvPr id="4" name="TextBox 3"/>
+          <p:cNvSpPr txBox="1"/>
+          <p:nvPr/>
+        </p:nvSpPr>
+        <p:spPr>
+          <a:xfrm>
+            <a:off x="395536" y="1124744"/>
+            <a:ext cx="7992888" cy="369332"/>
+          </a:xfrm>
+          <a:prstGeom prst="rect">
+            <a:avLst/>
+          </a:prstGeom>
+          <a:noFill/>
+        </p:spPr>
+        <p:txBody>
+          <a:bodyPr wrap="square" rtlCol="0">
+            <a:spAutoFit/>
+          </a:bodyPr>
+          <a:lstStyle/>
+          <a:p>
+            <a:r>
+              <a:rPr lang="de-AT" dirty="0" smtClean="0"/>
+              <a:t>I used pseudo class</a:t>
+            </a:r>
+            <a:r>
+              <a:rPr lang="de-AT" b="1" dirty="0" smtClean="0"/>
+              <a:t> last child </a:t>
+            </a:r>
+            <a:r>
+              <a:rPr lang="de-AT" dirty="0" smtClean="0"/>
+              <a:t>to remove padding of last element</a:t>
+            </a:r>
+            <a:endParaRPr lang="de-AT" dirty="0"/>
           </a:p>
         </p:txBody>
       </p:sp>

--- a/CSS3 Day2.pptx
+++ b/CSS3 Day2.pptx
@@ -5435,7 +5435,7 @@
         <p:spPr>
           <a:xfrm>
             <a:off x="395536" y="1124744"/>
-            <a:ext cx="7992888" cy="369332"/>
+            <a:ext cx="7992888" cy="646331"/>
           </a:xfrm>
           <a:prstGeom prst="rect">
             <a:avLst/>
@@ -5458,9 +5458,51 @@
             </a:r>
             <a:r>
               <a:rPr lang="de-AT" dirty="0" smtClean="0"/>
-              <a:t>to remove padding of last element</a:t>
-            </a:r>
-            <a:endParaRPr lang="de-AT" dirty="0"/>
+              <a:t>to remove padding of last </a:t>
+            </a:r>
+            <a:r>
+              <a:rPr lang="de-AT" dirty="0" smtClean="0"/>
+              <a:t>element</a:t>
+            </a:r>
+          </a:p>
+          <a:p>
+            <a:r>
+              <a:rPr lang="de-AT" b="1" dirty="0" smtClean="0">
+                <a:solidFill>
+                  <a:srgbClr val="00B0F0"/>
+                </a:solidFill>
+              </a:rPr>
+              <a:t>&amp;copy</a:t>
+            </a:r>
+            <a:r>
+              <a:rPr lang="de-AT" b="1" dirty="0" smtClean="0">
+                <a:solidFill>
+                  <a:srgbClr val="00B0F0"/>
+                </a:solidFill>
+              </a:rPr>
+              <a:t>;</a:t>
+            </a:r>
+            <a:r>
+              <a:rPr lang="de-AT" b="1" dirty="0">
+                <a:solidFill>
+                  <a:srgbClr val="00B0F0"/>
+                </a:solidFill>
+              </a:rPr>
+              <a:t> </a:t>
+            </a:r>
+            <a:r>
+              <a:rPr lang="de-AT" b="1" dirty="0" smtClean="0">
+                <a:solidFill>
+                  <a:srgbClr val="00B0F0"/>
+                </a:solidFill>
+              </a:rPr>
+              <a:t>      </a:t>
+            </a:r>
+            <a:r>
+              <a:rPr lang="de-AT" dirty="0" smtClean="0"/>
+              <a:t>is copyright symbol</a:t>
+            </a:r>
+            <a:endParaRPr lang="de-AT" dirty="0" smtClean="0"/>
           </a:p>
         </p:txBody>
       </p:sp>
